--- a/2024-1016-NAESB-Presentation-INGAA.pptx
+++ b/2024-1016-NAESB-Presentation-INGAA.pptx
@@ -172,7 +172,7 @@
           <a:noFill/>
           <a:extLst>
             <a:ext uri="{909E8E84-426E-40dd-AFC4-6F175D3DCCD1}">
-              <a14:hiddenFill xmlns="" xmlns:a14="http://schemas.microsoft.com/office/drawing/2010/main">
+              <a14:hiddenFill xmlns:a14="http://schemas.microsoft.com/office/drawing/2010/main" xmlns="">
                 <a:solidFill>
                   <a:srgbClr val="FFFFFF"/>
                 </a:solidFill>
@@ -232,7 +232,7 @@
             </a:ln>
             <a:extLst>
               <a:ext uri="{91240B29-F687-4f45-9708-019B960494DF}">
-                <a14:hiddenLine xmlns="" xmlns:a14="http://schemas.microsoft.com/office/drawing/2010/main" w="9525">
+                <a14:hiddenLine xmlns:a14="http://schemas.microsoft.com/office/drawing/2010/main" xmlns="" w="9525">
                   <a:solidFill>
                     <a:srgbClr val="000000"/>
                   </a:solidFill>
@@ -322,7 +322,7 @@
             </a:ln>
             <a:extLst>
               <a:ext uri="{91240B29-F687-4f45-9708-019B960494DF}">
-                <a14:hiddenLine xmlns="" xmlns:a14="http://schemas.microsoft.com/office/drawing/2010/main" w="9525">
+                <a14:hiddenLine xmlns:a14="http://schemas.microsoft.com/office/drawing/2010/main" xmlns="" w="9525">
                   <a:solidFill>
                     <a:srgbClr val="000000"/>
                   </a:solidFill>
@@ -412,7 +412,7 @@
             </a:ln>
             <a:extLst>
               <a:ext uri="{91240B29-F687-4f45-9708-019B960494DF}">
-                <a14:hiddenLine xmlns="" xmlns:a14="http://schemas.microsoft.com/office/drawing/2010/main" w="9525">
+                <a14:hiddenLine xmlns:a14="http://schemas.microsoft.com/office/drawing/2010/main" xmlns="" w="9525">
                   <a:solidFill>
                     <a:srgbClr val="000000"/>
                   </a:solidFill>
@@ -446,7 +446,7 @@
             </a:ln>
             <a:extLst>
               <a:ext uri="{91240B29-F687-4f45-9708-019B960494DF}">
-                <a14:hiddenLine xmlns="" xmlns:a14="http://schemas.microsoft.com/office/drawing/2010/main" w="9525">
+                <a14:hiddenLine xmlns:a14="http://schemas.microsoft.com/office/drawing/2010/main" xmlns="" w="9525">
                   <a:solidFill>
                     <a:srgbClr val="000000"/>
                   </a:solidFill>
@@ -536,7 +536,7 @@
             </a:ln>
             <a:extLst>
               <a:ext uri="{91240B29-F687-4f45-9708-019B960494DF}">
-                <a14:hiddenLine xmlns="" xmlns:a14="http://schemas.microsoft.com/office/drawing/2010/main" w="9525">
+                <a14:hiddenLine xmlns:a14="http://schemas.microsoft.com/office/drawing/2010/main" xmlns="" w="9525">
                   <a:solidFill>
                     <a:srgbClr val="000000"/>
                   </a:solidFill>
@@ -598,7 +598,7 @@
             </a:ln>
             <a:extLst>
               <a:ext uri="{91240B29-F687-4f45-9708-019B960494DF}">
-                <a14:hiddenLine xmlns="" xmlns:a14="http://schemas.microsoft.com/office/drawing/2010/main" w="9525">
+                <a14:hiddenLine xmlns:a14="http://schemas.microsoft.com/office/drawing/2010/main" xmlns="" w="9525">
                   <a:solidFill>
                     <a:srgbClr val="000000"/>
                   </a:solidFill>
@@ -660,7 +660,7 @@
             </a:ln>
             <a:extLst>
               <a:ext uri="{91240B29-F687-4f45-9708-019B960494DF}">
-                <a14:hiddenLine xmlns="" xmlns:a14="http://schemas.microsoft.com/office/drawing/2010/main" w="9525">
+                <a14:hiddenLine xmlns:a14="http://schemas.microsoft.com/office/drawing/2010/main" xmlns="" w="9525">
                   <a:solidFill>
                     <a:srgbClr val="000000"/>
                   </a:solidFill>
@@ -750,7 +750,7 @@
             </a:ln>
             <a:extLst>
               <a:ext uri="{91240B29-F687-4f45-9708-019B960494DF}">
-                <a14:hiddenLine xmlns="" xmlns:a14="http://schemas.microsoft.com/office/drawing/2010/main" w="9525">
+                <a14:hiddenLine xmlns:a14="http://schemas.microsoft.com/office/drawing/2010/main" xmlns="" w="9525">
                   <a:solidFill>
                     <a:srgbClr val="000000"/>
                   </a:solidFill>
@@ -812,7 +812,7 @@
             </a:ln>
             <a:extLst>
               <a:ext uri="{91240B29-F687-4f45-9708-019B960494DF}">
-                <a14:hiddenLine xmlns="" xmlns:a14="http://schemas.microsoft.com/office/drawing/2010/main" w="9525">
+                <a14:hiddenLine xmlns:a14="http://schemas.microsoft.com/office/drawing/2010/main" xmlns="" w="9525">
                   <a:solidFill>
                     <a:srgbClr val="000000"/>
                   </a:solidFill>
@@ -874,7 +874,7 @@
             </a:ln>
             <a:extLst>
               <a:ext uri="{91240B29-F687-4f45-9708-019B960494DF}">
-                <a14:hiddenLine xmlns="" xmlns:a14="http://schemas.microsoft.com/office/drawing/2010/main" w="9525">
+                <a14:hiddenLine xmlns:a14="http://schemas.microsoft.com/office/drawing/2010/main" xmlns="" w="9525">
                   <a:solidFill>
                     <a:srgbClr val="000000"/>
                   </a:solidFill>
@@ -964,7 +964,7 @@
             </a:ln>
             <a:extLst>
               <a:ext uri="{91240B29-F687-4f45-9708-019B960494DF}">
-                <a14:hiddenLine xmlns="" xmlns:a14="http://schemas.microsoft.com/office/drawing/2010/main" w="9525">
+                <a14:hiddenLine xmlns:a14="http://schemas.microsoft.com/office/drawing/2010/main" xmlns="" w="9525">
                   <a:solidFill>
                     <a:srgbClr val="000000"/>
                   </a:solidFill>
@@ -1054,7 +1054,7 @@
             </a:ln>
             <a:extLst>
               <a:ext uri="{91240B29-F687-4f45-9708-019B960494DF}">
-                <a14:hiddenLine xmlns="" xmlns:a14="http://schemas.microsoft.com/office/drawing/2010/main" w="9525">
+                <a14:hiddenLine xmlns:a14="http://schemas.microsoft.com/office/drawing/2010/main" xmlns="" w="9525">
                   <a:solidFill>
                     <a:srgbClr val="000000"/>
                   </a:solidFill>
@@ -1116,7 +1116,7 @@
             </a:ln>
             <a:extLst>
               <a:ext uri="{91240B29-F687-4f45-9708-019B960494DF}">
-                <a14:hiddenLine xmlns="" xmlns:a14="http://schemas.microsoft.com/office/drawing/2010/main" w="9525">
+                <a14:hiddenLine xmlns:a14="http://schemas.microsoft.com/office/drawing/2010/main" xmlns="" w="9525">
                   <a:solidFill>
                     <a:srgbClr val="000000"/>
                   </a:solidFill>
@@ -1226,7 +1226,7 @@
             </a:ln>
             <a:extLst>
               <a:ext uri="{91240B29-F687-4f45-9708-019B960494DF}">
-                <a14:hiddenLine xmlns="" xmlns:a14="http://schemas.microsoft.com/office/drawing/2010/main" w="9525">
+                <a14:hiddenLine xmlns:a14="http://schemas.microsoft.com/office/drawing/2010/main" xmlns="" w="9525">
                   <a:solidFill>
                     <a:srgbClr val="000000"/>
                   </a:solidFill>
@@ -1288,7 +1288,7 @@
             </a:ln>
             <a:extLst>
               <a:ext uri="{91240B29-F687-4f45-9708-019B960494DF}">
-                <a14:hiddenLine xmlns="" xmlns:a14="http://schemas.microsoft.com/office/drawing/2010/main" w="9525">
+                <a14:hiddenLine xmlns:a14="http://schemas.microsoft.com/office/drawing/2010/main" xmlns="" w="9525">
                   <a:solidFill>
                     <a:srgbClr val="000000"/>
                   </a:solidFill>
@@ -1378,7 +1378,7 @@
             </a:ln>
             <a:extLst>
               <a:ext uri="{91240B29-F687-4f45-9708-019B960494DF}">
-                <a14:hiddenLine xmlns="" xmlns:a14="http://schemas.microsoft.com/office/drawing/2010/main" w="9525">
+                <a14:hiddenLine xmlns:a14="http://schemas.microsoft.com/office/drawing/2010/main" xmlns="" w="9525">
                   <a:solidFill>
                     <a:srgbClr val="000000"/>
                   </a:solidFill>
@@ -1468,7 +1468,7 @@
             </a:ln>
             <a:extLst>
               <a:ext uri="{91240B29-F687-4f45-9708-019B960494DF}">
-                <a14:hiddenLine xmlns="" xmlns:a14="http://schemas.microsoft.com/office/drawing/2010/main" w="9525">
+                <a14:hiddenLine xmlns:a14="http://schemas.microsoft.com/office/drawing/2010/main" xmlns="" w="9525">
                   <a:solidFill>
                     <a:srgbClr val="000000"/>
                   </a:solidFill>
@@ -1530,7 +1530,7 @@
             </a:ln>
             <a:extLst>
               <a:ext uri="{91240B29-F687-4f45-9708-019B960494DF}">
-                <a14:hiddenLine xmlns="" xmlns:a14="http://schemas.microsoft.com/office/drawing/2010/main" w="9525">
+                <a14:hiddenLine xmlns:a14="http://schemas.microsoft.com/office/drawing/2010/main" xmlns="" w="9525">
                   <a:solidFill>
                     <a:srgbClr val="000000"/>
                   </a:solidFill>
@@ -1620,7 +1620,7 @@
             </a:ln>
             <a:extLst>
               <a:ext uri="{91240B29-F687-4f45-9708-019B960494DF}">
-                <a14:hiddenLine xmlns="" xmlns:a14="http://schemas.microsoft.com/office/drawing/2010/main" w="9525">
+                <a14:hiddenLine xmlns:a14="http://schemas.microsoft.com/office/drawing/2010/main" xmlns="" w="9525">
                   <a:solidFill>
                     <a:srgbClr val="000000"/>
                   </a:solidFill>
@@ -1710,7 +1710,7 @@
             </a:ln>
             <a:extLst>
               <a:ext uri="{91240B29-F687-4f45-9708-019B960494DF}">
-                <a14:hiddenLine xmlns="" xmlns:a14="http://schemas.microsoft.com/office/drawing/2010/main" w="9525">
+                <a14:hiddenLine xmlns:a14="http://schemas.microsoft.com/office/drawing/2010/main" xmlns="" w="9525">
                   <a:solidFill>
                     <a:srgbClr val="000000"/>
                   </a:solidFill>
@@ -1766,7 +1766,7 @@
             </a:ln>
             <a:extLst>
               <a:ext uri="{91240B29-F687-4f45-9708-019B960494DF}">
-                <a14:hiddenLine xmlns="" xmlns:a14="http://schemas.microsoft.com/office/drawing/2010/main" w="9525">
+                <a14:hiddenLine xmlns:a14="http://schemas.microsoft.com/office/drawing/2010/main" xmlns="" w="9525">
                   <a:solidFill>
                     <a:srgbClr val="000000"/>
                   </a:solidFill>
@@ -1856,7 +1856,7 @@
             </a:ln>
             <a:extLst>
               <a:ext uri="{91240B29-F687-4f45-9708-019B960494DF}">
-                <a14:hiddenLine xmlns="" xmlns:a14="http://schemas.microsoft.com/office/drawing/2010/main" w="9525">
+                <a14:hiddenLine xmlns:a14="http://schemas.microsoft.com/office/drawing/2010/main" xmlns="" w="9525">
                   <a:solidFill>
                     <a:srgbClr val="000000"/>
                   </a:solidFill>
@@ -1912,7 +1912,7 @@
             </a:ln>
             <a:extLst>
               <a:ext uri="{91240B29-F687-4f45-9708-019B960494DF}">
-                <a14:hiddenLine xmlns="" xmlns:a14="http://schemas.microsoft.com/office/drawing/2010/main" w="9525">
+                <a14:hiddenLine xmlns:a14="http://schemas.microsoft.com/office/drawing/2010/main" xmlns="" w="9525">
                   <a:solidFill>
                     <a:srgbClr val="000000"/>
                   </a:solidFill>
@@ -2002,7 +2002,7 @@
             </a:ln>
             <a:extLst>
               <a:ext uri="{91240B29-F687-4f45-9708-019B960494DF}">
-                <a14:hiddenLine xmlns="" xmlns:a14="http://schemas.microsoft.com/office/drawing/2010/main" w="9525">
+                <a14:hiddenLine xmlns:a14="http://schemas.microsoft.com/office/drawing/2010/main" xmlns="" w="9525">
                   <a:solidFill>
                     <a:srgbClr val="000000"/>
                   </a:solidFill>
@@ -2070,7 +2070,7 @@
             </a:ln>
             <a:extLst>
               <a:ext uri="{91240B29-F687-4f45-9708-019B960494DF}">
-                <a14:hiddenLine xmlns="" xmlns:a14="http://schemas.microsoft.com/office/drawing/2010/main" w="9525">
+                <a14:hiddenLine xmlns:a14="http://schemas.microsoft.com/office/drawing/2010/main" xmlns="" w="9525">
                   <a:solidFill>
                     <a:srgbClr val="000000"/>
                   </a:solidFill>
@@ -2160,7 +2160,7 @@
             </a:ln>
             <a:extLst>
               <a:ext uri="{91240B29-F687-4f45-9708-019B960494DF}">
-                <a14:hiddenLine xmlns="" xmlns:a14="http://schemas.microsoft.com/office/drawing/2010/main" w="9525">
+                <a14:hiddenLine xmlns:a14="http://schemas.microsoft.com/office/drawing/2010/main" xmlns="" w="9525">
                   <a:solidFill>
                     <a:srgbClr val="000000"/>
                   </a:solidFill>
@@ -2228,7 +2228,7 @@
             </a:ln>
             <a:extLst>
               <a:ext uri="{91240B29-F687-4f45-9708-019B960494DF}">
-                <a14:hiddenLine xmlns="" xmlns:a14="http://schemas.microsoft.com/office/drawing/2010/main" w="9525">
+                <a14:hiddenLine xmlns:a14="http://schemas.microsoft.com/office/drawing/2010/main" xmlns="" w="9525">
                   <a:solidFill>
                     <a:srgbClr val="000000"/>
                   </a:solidFill>
@@ -2318,7 +2318,7 @@
             </a:ln>
             <a:extLst>
               <a:ext uri="{91240B29-F687-4f45-9708-019B960494DF}">
-                <a14:hiddenLine xmlns="" xmlns:a14="http://schemas.microsoft.com/office/drawing/2010/main" w="9525">
+                <a14:hiddenLine xmlns:a14="http://schemas.microsoft.com/office/drawing/2010/main" xmlns="" w="9525">
                   <a:solidFill>
                     <a:srgbClr val="000000"/>
                   </a:solidFill>
@@ -2352,7 +2352,7 @@
             </a:ln>
             <a:extLst>
               <a:ext uri="{91240B29-F687-4f45-9708-019B960494DF}">
-                <a14:hiddenLine xmlns="" xmlns:a14="http://schemas.microsoft.com/office/drawing/2010/main" w="9525">
+                <a14:hiddenLine xmlns:a14="http://schemas.microsoft.com/office/drawing/2010/main" xmlns="" w="9525">
                   <a:solidFill>
                     <a:srgbClr val="000000"/>
                   </a:solidFill>
@@ -2442,7 +2442,7 @@
             </a:ln>
             <a:extLst>
               <a:ext uri="{91240B29-F687-4f45-9708-019B960494DF}">
-                <a14:hiddenLine xmlns="" xmlns:a14="http://schemas.microsoft.com/office/drawing/2010/main" w="9525">
+                <a14:hiddenLine xmlns:a14="http://schemas.microsoft.com/office/drawing/2010/main" xmlns="" w="9525">
                   <a:solidFill>
                     <a:srgbClr val="000000"/>
                   </a:solidFill>
@@ -2504,7 +2504,7 @@
             </a:ln>
             <a:extLst>
               <a:ext uri="{91240B29-F687-4f45-9708-019B960494DF}">
-                <a14:hiddenLine xmlns="" xmlns:a14="http://schemas.microsoft.com/office/drawing/2010/main" w="9525">
+                <a14:hiddenLine xmlns:a14="http://schemas.microsoft.com/office/drawing/2010/main" xmlns="" w="9525">
                   <a:solidFill>
                     <a:srgbClr val="000000"/>
                   </a:solidFill>
@@ -2566,7 +2566,7 @@
             </a:ln>
             <a:extLst>
               <a:ext uri="{91240B29-F687-4f45-9708-019B960494DF}">
-                <a14:hiddenLine xmlns="" xmlns:a14="http://schemas.microsoft.com/office/drawing/2010/main" w="9525">
+                <a14:hiddenLine xmlns:a14="http://schemas.microsoft.com/office/drawing/2010/main" xmlns="" w="9525">
                   <a:solidFill>
                     <a:srgbClr val="000000"/>
                   </a:solidFill>
@@ -2656,7 +2656,7 @@
             </a:ln>
             <a:extLst>
               <a:ext uri="{91240B29-F687-4f45-9708-019B960494DF}">
-                <a14:hiddenLine xmlns="" xmlns:a14="http://schemas.microsoft.com/office/drawing/2010/main" w="9525">
+                <a14:hiddenLine xmlns:a14="http://schemas.microsoft.com/office/drawing/2010/main" xmlns="" w="9525">
                   <a:solidFill>
                     <a:srgbClr val="000000"/>
                   </a:solidFill>
@@ -2724,7 +2724,7 @@
             </a:ln>
             <a:extLst>
               <a:ext uri="{91240B29-F687-4f45-9708-019B960494DF}">
-                <a14:hiddenLine xmlns="" xmlns:a14="http://schemas.microsoft.com/office/drawing/2010/main" w="9525">
+                <a14:hiddenLine xmlns:a14="http://schemas.microsoft.com/office/drawing/2010/main" xmlns="" w="9525">
                   <a:solidFill>
                     <a:srgbClr val="000000"/>
                   </a:solidFill>
@@ -2786,7 +2786,7 @@
             </a:ln>
             <a:extLst>
               <a:ext uri="{91240B29-F687-4f45-9708-019B960494DF}">
-                <a14:hiddenLine xmlns="" xmlns:a14="http://schemas.microsoft.com/office/drawing/2010/main" w="9525">
+                <a14:hiddenLine xmlns:a14="http://schemas.microsoft.com/office/drawing/2010/main" xmlns="" w="9525">
                   <a:solidFill>
                     <a:srgbClr val="000000"/>
                   </a:solidFill>
@@ -2876,7 +2876,7 @@
             </a:ln>
             <a:extLst>
               <a:ext uri="{91240B29-F687-4f45-9708-019B960494DF}">
-                <a14:hiddenLine xmlns="" xmlns:a14="http://schemas.microsoft.com/office/drawing/2010/main" w="9525">
+                <a14:hiddenLine xmlns:a14="http://schemas.microsoft.com/office/drawing/2010/main" xmlns="" w="9525">
                   <a:solidFill>
                     <a:srgbClr val="000000"/>
                   </a:solidFill>
@@ -2938,7 +2938,7 @@
             </a:ln>
             <a:extLst>
               <a:ext uri="{91240B29-F687-4f45-9708-019B960494DF}">
-                <a14:hiddenLine xmlns="" xmlns:a14="http://schemas.microsoft.com/office/drawing/2010/main" w="9525">
+                <a14:hiddenLine xmlns:a14="http://schemas.microsoft.com/office/drawing/2010/main" xmlns="" w="9525">
                   <a:solidFill>
                     <a:srgbClr val="000000"/>
                   </a:solidFill>
@@ -3028,7 +3028,7 @@
             </a:ln>
             <a:extLst>
               <a:ext uri="{91240B29-F687-4f45-9708-019B960494DF}">
-                <a14:hiddenLine xmlns="" xmlns:a14="http://schemas.microsoft.com/office/drawing/2010/main" w="9525">
+                <a14:hiddenLine xmlns:a14="http://schemas.microsoft.com/office/drawing/2010/main" xmlns="" w="9525">
                   <a:solidFill>
                     <a:srgbClr val="000000"/>
                   </a:solidFill>
@@ -3090,7 +3090,7 @@
             </a:ln>
             <a:extLst>
               <a:ext uri="{91240B29-F687-4f45-9708-019B960494DF}">
-                <a14:hiddenLine xmlns="" xmlns:a14="http://schemas.microsoft.com/office/drawing/2010/main" w="9525">
+                <a14:hiddenLine xmlns:a14="http://schemas.microsoft.com/office/drawing/2010/main" xmlns="" w="9525">
                   <a:solidFill>
                     <a:srgbClr val="000000"/>
                   </a:solidFill>
@@ -3180,7 +3180,7 @@
             </a:ln>
             <a:extLst>
               <a:ext uri="{91240B29-F687-4f45-9708-019B960494DF}">
-                <a14:hiddenLine xmlns="" xmlns:a14="http://schemas.microsoft.com/office/drawing/2010/main" w="9525">
+                <a14:hiddenLine xmlns:a14="http://schemas.microsoft.com/office/drawing/2010/main" xmlns="" w="9525">
                   <a:solidFill>
                     <a:srgbClr val="000000"/>
                   </a:solidFill>
@@ -3214,7 +3214,7 @@
             </a:ln>
             <a:extLst>
               <a:ext uri="{91240B29-F687-4f45-9708-019B960494DF}">
-                <a14:hiddenLine xmlns="" xmlns:a14="http://schemas.microsoft.com/office/drawing/2010/main" w="9525">
+                <a14:hiddenLine xmlns:a14="http://schemas.microsoft.com/office/drawing/2010/main" xmlns="" w="9525">
                   <a:solidFill>
                     <a:srgbClr val="000000"/>
                   </a:solidFill>
@@ -3279,7 +3279,7 @@
             </a:ln>
             <a:extLst>
               <a:ext uri="{91240B29-F687-4f45-9708-019B960494DF}">
-                <a14:hiddenLine xmlns="" xmlns:a14="http://schemas.microsoft.com/office/drawing/2010/main" w="9525">
+                <a14:hiddenLine xmlns:a14="http://schemas.microsoft.com/office/drawing/2010/main" xmlns="" w="9525">
                   <a:solidFill>
                     <a:srgbClr val="000000"/>
                   </a:solidFill>
@@ -3369,7 +3369,7 @@
             </a:ln>
             <a:extLst>
               <a:ext uri="{91240B29-F687-4f45-9708-019B960494DF}">
-                <a14:hiddenLine xmlns="" xmlns:a14="http://schemas.microsoft.com/office/drawing/2010/main" w="9525">
+                <a14:hiddenLine xmlns:a14="http://schemas.microsoft.com/office/drawing/2010/main" xmlns="" w="9525">
                   <a:solidFill>
                     <a:srgbClr val="000000"/>
                   </a:solidFill>
@@ -3431,7 +3431,7 @@
             </a:ln>
             <a:extLst>
               <a:ext uri="{91240B29-F687-4f45-9708-019B960494DF}">
-                <a14:hiddenLine xmlns="" xmlns:a14="http://schemas.microsoft.com/office/drawing/2010/main" w="9525">
+                <a14:hiddenLine xmlns:a14="http://schemas.microsoft.com/office/drawing/2010/main" xmlns="" w="9525">
                   <a:solidFill>
                     <a:srgbClr val="000000"/>
                   </a:solidFill>
@@ -3521,7 +3521,7 @@
             </a:ln>
             <a:extLst>
               <a:ext uri="{91240B29-F687-4f45-9708-019B960494DF}">
-                <a14:hiddenLine xmlns="" xmlns:a14="http://schemas.microsoft.com/office/drawing/2010/main" w="9525">
+                <a14:hiddenLine xmlns:a14="http://schemas.microsoft.com/office/drawing/2010/main" xmlns="" w="9525">
                   <a:solidFill>
                     <a:srgbClr val="000000"/>
                   </a:solidFill>
@@ -3611,7 +3611,7 @@
             </a:ln>
             <a:extLst>
               <a:ext uri="{91240B29-F687-4f45-9708-019B960494DF}">
-                <a14:hiddenLine xmlns="" xmlns:a14="http://schemas.microsoft.com/office/drawing/2010/main" w="9525">
+                <a14:hiddenLine xmlns:a14="http://schemas.microsoft.com/office/drawing/2010/main" xmlns="" w="9525">
                   <a:solidFill>
                     <a:srgbClr val="000000"/>
                   </a:solidFill>
@@ -3676,7 +3676,7 @@
             </a:ln>
             <a:extLst>
               <a:ext uri="{91240B29-F687-4f45-9708-019B960494DF}">
-                <a14:hiddenLine xmlns="" xmlns:a14="http://schemas.microsoft.com/office/drawing/2010/main" w="9525">
+                <a14:hiddenLine xmlns:a14="http://schemas.microsoft.com/office/drawing/2010/main" xmlns="" w="9525">
                   <a:solidFill>
                     <a:srgbClr val="000000"/>
                   </a:solidFill>
@@ -3738,7 +3738,7 @@
             </a:ln>
             <a:extLst>
               <a:ext uri="{91240B29-F687-4f45-9708-019B960494DF}">
-                <a14:hiddenLine xmlns="" xmlns:a14="http://schemas.microsoft.com/office/drawing/2010/main" w="9525">
+                <a14:hiddenLine xmlns:a14="http://schemas.microsoft.com/office/drawing/2010/main" xmlns="" w="9525">
                   <a:solidFill>
                     <a:srgbClr val="000000"/>
                   </a:solidFill>
@@ -3828,7 +3828,7 @@
             </a:ln>
             <a:extLst>
               <a:ext uri="{91240B29-F687-4f45-9708-019B960494DF}">
-                <a14:hiddenLine xmlns="" xmlns:a14="http://schemas.microsoft.com/office/drawing/2010/main" w="9525">
+                <a14:hiddenLine xmlns:a14="http://schemas.microsoft.com/office/drawing/2010/main" xmlns="" w="9525">
                   <a:solidFill>
                     <a:srgbClr val="000000"/>
                   </a:solidFill>
@@ -3918,7 +3918,7 @@
             </a:ln>
             <a:extLst>
               <a:ext uri="{91240B29-F687-4f45-9708-019B960494DF}">
-                <a14:hiddenLine xmlns="" xmlns:a14="http://schemas.microsoft.com/office/drawing/2010/main" w="9525">
+                <a14:hiddenLine xmlns:a14="http://schemas.microsoft.com/office/drawing/2010/main" xmlns="" w="9525">
                   <a:solidFill>
                     <a:srgbClr val="000000"/>
                   </a:solidFill>
@@ -3980,7 +3980,7 @@
             </a:ln>
             <a:extLst>
               <a:ext uri="{91240B29-F687-4f45-9708-019B960494DF}">
-                <a14:hiddenLine xmlns="" xmlns:a14="http://schemas.microsoft.com/office/drawing/2010/main" w="9525">
+                <a14:hiddenLine xmlns:a14="http://schemas.microsoft.com/office/drawing/2010/main" xmlns="" w="9525">
                   <a:solidFill>
                     <a:srgbClr val="000000"/>
                   </a:solidFill>
@@ -4100,7 +4100,7 @@
             </a:ln>
             <a:extLst>
               <a:ext uri="{91240B29-F687-4f45-9708-019B960494DF}">
-                <a14:hiddenLine xmlns="" xmlns:a14="http://schemas.microsoft.com/office/drawing/2010/main" w="9525">
+                <a14:hiddenLine xmlns:a14="http://schemas.microsoft.com/office/drawing/2010/main" xmlns="" w="9525">
                   <a:solidFill>
                     <a:srgbClr val="000000"/>
                   </a:solidFill>
@@ -4168,7 +4168,7 @@
             </a:ln>
             <a:extLst>
               <a:ext uri="{91240B29-F687-4f45-9708-019B960494DF}">
-                <a14:hiddenLine xmlns="" xmlns:a14="http://schemas.microsoft.com/office/drawing/2010/main" w="9525">
+                <a14:hiddenLine xmlns:a14="http://schemas.microsoft.com/office/drawing/2010/main" xmlns="" w="9525">
                   <a:solidFill>
                     <a:srgbClr val="000000"/>
                   </a:solidFill>
@@ -4258,7 +4258,7 @@
             </a:ln>
             <a:extLst>
               <a:ext uri="{91240B29-F687-4f45-9708-019B960494DF}">
-                <a14:hiddenLine xmlns="" xmlns:a14="http://schemas.microsoft.com/office/drawing/2010/main" w="9525">
+                <a14:hiddenLine xmlns:a14="http://schemas.microsoft.com/office/drawing/2010/main" xmlns="" w="9525">
                   <a:solidFill>
                     <a:srgbClr val="000000"/>
                   </a:solidFill>
@@ -4398,7 +4398,7 @@
           <a:p>
             <a:fld id="{48A87A34-81AB-432B-8DAE-1953F412C126}" type="datetimeFigureOut">
               <a:rPr lang="en-US" dirty="0"/>
-              <a:t>10/14/2024</a:t>
+              <a:t>10/19/2024</a:t>
             </a:fld>
             <a:endParaRPr lang="en-US" dirty="0"/>
           </a:p>
@@ -4693,7 +4693,7 @@
           <a:p>
             <a:fld id="{48A87A34-81AB-432B-8DAE-1953F412C126}" type="datetimeFigureOut">
               <a:rPr lang="en-US" dirty="0"/>
-              <a:t>10/14/2024</a:t>
+              <a:t>10/19/2024</a:t>
             </a:fld>
             <a:endParaRPr lang="en-US" dirty="0"/>
           </a:p>
@@ -4887,7 +4887,7 @@
           <a:p>
             <a:fld id="{48A87A34-81AB-432B-8DAE-1953F412C126}" type="datetimeFigureOut">
               <a:rPr lang="en-US" dirty="0"/>
-              <a:t>10/14/2024</a:t>
+              <a:t>10/19/2024</a:t>
             </a:fld>
             <a:endParaRPr lang="en-US" dirty="0"/>
           </a:p>
@@ -5148,7 +5148,7 @@
           <a:p>
             <a:fld id="{48A87A34-81AB-432B-8DAE-1953F412C126}" type="datetimeFigureOut">
               <a:rPr lang="en-US" dirty="0"/>
-              <a:t>10/14/2024</a:t>
+              <a:t>10/19/2024</a:t>
             </a:fld>
             <a:endParaRPr lang="en-US" dirty="0"/>
           </a:p>
@@ -5580,7 +5580,7 @@
           <a:p>
             <a:fld id="{48A87A34-81AB-432B-8DAE-1953F412C126}" type="datetimeFigureOut">
               <a:rPr lang="en-US" dirty="0"/>
-              <a:t>10/14/2024</a:t>
+              <a:t>10/19/2024</a:t>
             </a:fld>
             <a:endParaRPr lang="en-US" dirty="0"/>
           </a:p>
@@ -6124,7 +6124,7 @@
           <a:p>
             <a:fld id="{48A87A34-81AB-432B-8DAE-1953F412C126}" type="datetimeFigureOut">
               <a:rPr lang="en-US" dirty="0"/>
-              <a:t>10/14/2024</a:t>
+              <a:t>10/19/2024</a:t>
             </a:fld>
             <a:endParaRPr lang="en-US" dirty="0"/>
           </a:p>
@@ -6842,7 +6842,7 @@
           <a:p>
             <a:fld id="{48A87A34-81AB-432B-8DAE-1953F412C126}" type="datetimeFigureOut">
               <a:rPr lang="en-US" dirty="0"/>
-              <a:t>10/14/2024</a:t>
+              <a:t>10/19/2024</a:t>
             </a:fld>
             <a:endParaRPr lang="en-US" dirty="0"/>
           </a:p>
@@ -7010,7 +7010,7 @@
           <a:p>
             <a:fld id="{48A87A34-81AB-432B-8DAE-1953F412C126}" type="datetimeFigureOut">
               <a:rPr lang="en-US" dirty="0"/>
-              <a:t>10/14/2024</a:t>
+              <a:t>10/19/2024</a:t>
             </a:fld>
             <a:endParaRPr lang="en-US" dirty="0"/>
           </a:p>
@@ -7188,7 +7188,7 @@
           <a:p>
             <a:fld id="{48A87A34-81AB-432B-8DAE-1953F412C126}" type="datetimeFigureOut">
               <a:rPr lang="en-US" dirty="0"/>
-              <a:t>10/14/2024</a:t>
+              <a:t>10/19/2024</a:t>
             </a:fld>
             <a:endParaRPr lang="en-US" dirty="0"/>
           </a:p>
@@ -7356,7 +7356,7 @@
           <a:p>
             <a:fld id="{48A87A34-81AB-432B-8DAE-1953F412C126}" type="datetimeFigureOut">
               <a:rPr lang="en-US" dirty="0"/>
-              <a:t>10/14/2024</a:t>
+              <a:t>10/19/2024</a:t>
             </a:fld>
             <a:endParaRPr lang="en-US" dirty="0"/>
           </a:p>
@@ -7607,7 +7607,7 @@
           <a:p>
             <a:fld id="{48A87A34-81AB-432B-8DAE-1953F412C126}" type="datetimeFigureOut">
               <a:rPr lang="en-US" dirty="0"/>
-              <a:t>10/14/2024</a:t>
+              <a:t>10/19/2024</a:t>
             </a:fld>
             <a:endParaRPr lang="en-US" dirty="0"/>
           </a:p>
@@ -7840,7 +7840,7 @@
           <a:p>
             <a:fld id="{48A87A34-81AB-432B-8DAE-1953F412C126}" type="datetimeFigureOut">
               <a:rPr lang="en-US" dirty="0"/>
-              <a:t>10/14/2024</a:t>
+              <a:t>10/19/2024</a:t>
             </a:fld>
             <a:endParaRPr lang="en-US" dirty="0"/>
           </a:p>
@@ -8219,7 +8219,7 @@
           <a:p>
             <a:fld id="{48A87A34-81AB-432B-8DAE-1953F412C126}" type="datetimeFigureOut">
               <a:rPr lang="en-US" dirty="0"/>
-              <a:t>10/14/2024</a:t>
+              <a:t>10/19/2024</a:t>
             </a:fld>
             <a:endParaRPr lang="en-US" dirty="0"/>
           </a:p>
@@ -8335,7 +8335,7 @@
           <a:p>
             <a:fld id="{48A87A34-81AB-432B-8DAE-1953F412C126}" type="datetimeFigureOut">
               <a:rPr lang="en-US" dirty="0"/>
-              <a:t>10/14/2024</a:t>
+              <a:t>10/19/2024</a:t>
             </a:fld>
             <a:endParaRPr lang="en-US" dirty="0"/>
           </a:p>
@@ -8428,7 +8428,7 @@
           <a:p>
             <a:fld id="{48A87A34-81AB-432B-8DAE-1953F412C126}" type="datetimeFigureOut">
               <a:rPr lang="en-US" dirty="0"/>
-              <a:t>10/14/2024</a:t>
+              <a:t>10/19/2024</a:t>
             </a:fld>
             <a:endParaRPr lang="en-US" dirty="0"/>
           </a:p>
@@ -8675,7 +8675,7 @@
           <a:p>
             <a:fld id="{48A87A34-81AB-432B-8DAE-1953F412C126}" type="datetimeFigureOut">
               <a:rPr lang="en-US" dirty="0"/>
-              <a:t>10/14/2024</a:t>
+              <a:t>10/19/2024</a:t>
             </a:fld>
             <a:endParaRPr lang="en-US" dirty="0"/>
           </a:p>
@@ -8953,7 +8953,7 @@
           <a:p>
             <a:fld id="{48A87A34-81AB-432B-8DAE-1953F412C126}" type="datetimeFigureOut">
               <a:rPr lang="en-US" dirty="0"/>
-              <a:t>10/14/2024</a:t>
+              <a:t>10/19/2024</a:t>
             </a:fld>
             <a:endParaRPr lang="en-US" dirty="0"/>
           </a:p>
@@ -9067,7 +9067,7 @@
           <a:noFill/>
           <a:extLst>
             <a:ext uri="{909E8E84-426E-40dd-AFC4-6F175D3DCCD1}">
-              <a14:hiddenFill xmlns="" xmlns:a14="http://schemas.microsoft.com/office/drawing/2010/main">
+              <a14:hiddenFill xmlns:a14="http://schemas.microsoft.com/office/drawing/2010/main" xmlns="">
                 <a:solidFill>
                   <a:srgbClr val="FFFFFF"/>
                 </a:solidFill>
@@ -9141,7 +9141,7 @@
               </a:ln>
               <a:extLst>
                 <a:ext uri="{91240B29-F687-4f45-9708-019B960494DF}">
-                  <a14:hiddenLine xmlns="" xmlns:a14="http://schemas.microsoft.com/office/drawing/2010/main" w="9525">
+                  <a14:hiddenLine xmlns:a14="http://schemas.microsoft.com/office/drawing/2010/main" xmlns="" w="9525">
                     <a:solidFill>
                       <a:srgbClr val="000000"/>
                     </a:solidFill>
@@ -9231,7 +9231,7 @@
               </a:ln>
               <a:extLst>
                 <a:ext uri="{91240B29-F687-4f45-9708-019B960494DF}">
-                  <a14:hiddenLine xmlns="" xmlns:a14="http://schemas.microsoft.com/office/drawing/2010/main" w="9525">
+                  <a14:hiddenLine xmlns:a14="http://schemas.microsoft.com/office/drawing/2010/main" xmlns="" w="9525">
                     <a:solidFill>
                       <a:srgbClr val="000000"/>
                     </a:solidFill>
@@ -9321,7 +9321,7 @@
               </a:ln>
               <a:extLst>
                 <a:ext uri="{91240B29-F687-4f45-9708-019B960494DF}">
-                  <a14:hiddenLine xmlns="" xmlns:a14="http://schemas.microsoft.com/office/drawing/2010/main" w="9525">
+                  <a14:hiddenLine xmlns:a14="http://schemas.microsoft.com/office/drawing/2010/main" xmlns="" w="9525">
                     <a:solidFill>
                       <a:srgbClr val="000000"/>
                     </a:solidFill>
@@ -9383,7 +9383,7 @@
               </a:ln>
               <a:extLst>
                 <a:ext uri="{91240B29-F687-4f45-9708-019B960494DF}">
-                  <a14:hiddenLine xmlns="" xmlns:a14="http://schemas.microsoft.com/office/drawing/2010/main" w="9525">
+                  <a14:hiddenLine xmlns:a14="http://schemas.microsoft.com/office/drawing/2010/main" xmlns="" w="9525">
                     <a:solidFill>
                       <a:srgbClr val="000000"/>
                     </a:solidFill>
@@ -9473,7 +9473,7 @@
               </a:ln>
               <a:extLst>
                 <a:ext uri="{91240B29-F687-4f45-9708-019B960494DF}">
-                  <a14:hiddenLine xmlns="" xmlns:a14="http://schemas.microsoft.com/office/drawing/2010/main" w="9525">
+                  <a14:hiddenLine xmlns:a14="http://schemas.microsoft.com/office/drawing/2010/main" xmlns="" w="9525">
                     <a:solidFill>
                       <a:srgbClr val="000000"/>
                     </a:solidFill>
@@ -9535,7 +9535,7 @@
               </a:ln>
               <a:extLst>
                 <a:ext uri="{91240B29-F687-4f45-9708-019B960494DF}">
-                  <a14:hiddenLine xmlns="" xmlns:a14="http://schemas.microsoft.com/office/drawing/2010/main" w="9525">
+                  <a14:hiddenLine xmlns:a14="http://schemas.microsoft.com/office/drawing/2010/main" xmlns="" w="9525">
                     <a:solidFill>
                       <a:srgbClr val="000000"/>
                     </a:solidFill>
@@ -9597,7 +9597,7 @@
               </a:ln>
               <a:extLst>
                 <a:ext uri="{91240B29-F687-4f45-9708-019B960494DF}">
-                  <a14:hiddenLine xmlns="" xmlns:a14="http://schemas.microsoft.com/office/drawing/2010/main" w="9525">
+                  <a14:hiddenLine xmlns:a14="http://schemas.microsoft.com/office/drawing/2010/main" xmlns="" w="9525">
                     <a:solidFill>
                       <a:srgbClr val="000000"/>
                     </a:solidFill>
@@ -9687,7 +9687,7 @@
               </a:ln>
               <a:extLst>
                 <a:ext uri="{91240B29-F687-4f45-9708-019B960494DF}">
-                  <a14:hiddenLine xmlns="" xmlns:a14="http://schemas.microsoft.com/office/drawing/2010/main" w="9525">
+                  <a14:hiddenLine xmlns:a14="http://schemas.microsoft.com/office/drawing/2010/main" xmlns="" w="9525">
                     <a:solidFill>
                       <a:srgbClr val="000000"/>
                     </a:solidFill>
@@ -9777,7 +9777,7 @@
               </a:ln>
               <a:extLst>
                 <a:ext uri="{91240B29-F687-4f45-9708-019B960494DF}">
-                  <a14:hiddenLine xmlns="" xmlns:a14="http://schemas.microsoft.com/office/drawing/2010/main" w="9525">
+                  <a14:hiddenLine xmlns:a14="http://schemas.microsoft.com/office/drawing/2010/main" xmlns="" w="9525">
                     <a:solidFill>
                       <a:srgbClr val="000000"/>
                     </a:solidFill>
@@ -9839,7 +9839,7 @@
               </a:ln>
               <a:extLst>
                 <a:ext uri="{91240B29-F687-4f45-9708-019B960494DF}">
-                  <a14:hiddenLine xmlns="" xmlns:a14="http://schemas.microsoft.com/office/drawing/2010/main" w="9525">
+                  <a14:hiddenLine xmlns:a14="http://schemas.microsoft.com/office/drawing/2010/main" xmlns="" w="9525">
                     <a:solidFill>
                       <a:srgbClr val="000000"/>
                     </a:solidFill>
@@ -9949,7 +9949,7 @@
               </a:ln>
               <a:extLst>
                 <a:ext uri="{91240B29-F687-4f45-9708-019B960494DF}">
-                  <a14:hiddenLine xmlns="" xmlns:a14="http://schemas.microsoft.com/office/drawing/2010/main" w="9525">
+                  <a14:hiddenLine xmlns:a14="http://schemas.microsoft.com/office/drawing/2010/main" xmlns="" w="9525">
                     <a:solidFill>
                       <a:srgbClr val="000000"/>
                     </a:solidFill>
@@ -10033,7 +10033,7 @@
               </a:ln>
               <a:extLst>
                 <a:ext uri="{91240B29-F687-4f45-9708-019B960494DF}">
-                  <a14:hiddenLine xmlns="" xmlns:a14="http://schemas.microsoft.com/office/drawing/2010/main" w="9525">
+                  <a14:hiddenLine xmlns:a14="http://schemas.microsoft.com/office/drawing/2010/main" xmlns="" w="9525">
                     <a:solidFill>
                       <a:srgbClr val="000000"/>
                     </a:solidFill>
@@ -10095,7 +10095,7 @@
               </a:ln>
               <a:extLst>
                 <a:ext uri="{91240B29-F687-4f45-9708-019B960494DF}">
-                  <a14:hiddenLine xmlns="" xmlns:a14="http://schemas.microsoft.com/office/drawing/2010/main" w="9525">
+                  <a14:hiddenLine xmlns:a14="http://schemas.microsoft.com/office/drawing/2010/main" xmlns="" w="9525">
                     <a:solidFill>
                       <a:srgbClr val="000000"/>
                     </a:solidFill>
@@ -10157,7 +10157,7 @@
               </a:ln>
               <a:extLst>
                 <a:ext uri="{91240B29-F687-4f45-9708-019B960494DF}">
-                  <a14:hiddenLine xmlns="" xmlns:a14="http://schemas.microsoft.com/office/drawing/2010/main" w="9525">
+                  <a14:hiddenLine xmlns:a14="http://schemas.microsoft.com/office/drawing/2010/main" xmlns="" w="9525">
                     <a:solidFill>
                       <a:srgbClr val="000000"/>
                     </a:solidFill>
@@ -10247,7 +10247,7 @@
               </a:ln>
               <a:extLst>
                 <a:ext uri="{91240B29-F687-4f45-9708-019B960494DF}">
-                  <a14:hiddenLine xmlns="" xmlns:a14="http://schemas.microsoft.com/office/drawing/2010/main" w="9525">
+                  <a14:hiddenLine xmlns:a14="http://schemas.microsoft.com/office/drawing/2010/main" xmlns="" w="9525">
                     <a:solidFill>
                       <a:srgbClr val="000000"/>
                     </a:solidFill>
@@ -10281,7 +10281,7 @@
               </a:ln>
               <a:extLst>
                 <a:ext uri="{91240B29-F687-4f45-9708-019B960494DF}">
-                  <a14:hiddenLine xmlns="" xmlns:a14="http://schemas.microsoft.com/office/drawing/2010/main" w="9525">
+                  <a14:hiddenLine xmlns:a14="http://schemas.microsoft.com/office/drawing/2010/main" xmlns="" w="9525">
                     <a:solidFill>
                       <a:srgbClr val="000000"/>
                     </a:solidFill>
@@ -10346,7 +10346,7 @@
               </a:ln>
               <a:extLst>
                 <a:ext uri="{91240B29-F687-4f45-9708-019B960494DF}">
-                  <a14:hiddenLine xmlns="" xmlns:a14="http://schemas.microsoft.com/office/drawing/2010/main" w="9525">
+                  <a14:hiddenLine xmlns:a14="http://schemas.microsoft.com/office/drawing/2010/main" xmlns="" w="9525">
                     <a:solidFill>
                       <a:srgbClr val="000000"/>
                     </a:solidFill>
@@ -10436,7 +10436,7 @@
               </a:ln>
               <a:extLst>
                 <a:ext uri="{91240B29-F687-4f45-9708-019B960494DF}">
-                  <a14:hiddenLine xmlns="" xmlns:a14="http://schemas.microsoft.com/office/drawing/2010/main" w="9525">
+                  <a14:hiddenLine xmlns:a14="http://schemas.microsoft.com/office/drawing/2010/main" xmlns="" w="9525">
                     <a:solidFill>
                       <a:srgbClr val="000000"/>
                     </a:solidFill>
@@ -10498,7 +10498,7 @@
               </a:ln>
               <a:extLst>
                 <a:ext uri="{91240B29-F687-4f45-9708-019B960494DF}">
-                  <a14:hiddenLine xmlns="" xmlns:a14="http://schemas.microsoft.com/office/drawing/2010/main" w="9525">
+                  <a14:hiddenLine xmlns:a14="http://schemas.microsoft.com/office/drawing/2010/main" xmlns="" w="9525">
                     <a:solidFill>
                       <a:srgbClr val="000000"/>
                     </a:solidFill>
@@ -10588,7 +10588,7 @@
               </a:ln>
               <a:extLst>
                 <a:ext uri="{91240B29-F687-4f45-9708-019B960494DF}">
-                  <a14:hiddenLine xmlns="" xmlns:a14="http://schemas.microsoft.com/office/drawing/2010/main" w="9525">
+                  <a14:hiddenLine xmlns:a14="http://schemas.microsoft.com/office/drawing/2010/main" xmlns="" w="9525">
                     <a:solidFill>
                       <a:srgbClr val="000000"/>
                     </a:solidFill>
@@ -10653,7 +10653,7 @@
               </a:ln>
               <a:extLst>
                 <a:ext uri="{91240B29-F687-4f45-9708-019B960494DF}">
-                  <a14:hiddenLine xmlns="" xmlns:a14="http://schemas.microsoft.com/office/drawing/2010/main" w="9525">
+                  <a14:hiddenLine xmlns:a14="http://schemas.microsoft.com/office/drawing/2010/main" xmlns="" w="9525">
                     <a:solidFill>
                       <a:srgbClr val="000000"/>
                     </a:solidFill>
@@ -10715,7 +10715,7 @@
               </a:ln>
               <a:extLst>
                 <a:ext uri="{91240B29-F687-4f45-9708-019B960494DF}">
-                  <a14:hiddenLine xmlns="" xmlns:a14="http://schemas.microsoft.com/office/drawing/2010/main" w="9525">
+                  <a14:hiddenLine xmlns:a14="http://schemas.microsoft.com/office/drawing/2010/main" xmlns="" w="9525">
                     <a:solidFill>
                       <a:srgbClr val="000000"/>
                     </a:solidFill>
@@ -10805,7 +10805,7 @@
               </a:ln>
               <a:extLst>
                 <a:ext uri="{91240B29-F687-4f45-9708-019B960494DF}">
-                  <a14:hiddenLine xmlns="" xmlns:a14="http://schemas.microsoft.com/office/drawing/2010/main" w="9525">
+                  <a14:hiddenLine xmlns:a14="http://schemas.microsoft.com/office/drawing/2010/main" xmlns="" w="9525">
                     <a:solidFill>
                       <a:srgbClr val="000000"/>
                     </a:solidFill>
@@ -10895,7 +10895,7 @@
               </a:ln>
               <a:extLst>
                 <a:ext uri="{91240B29-F687-4f45-9708-019B960494DF}">
-                  <a14:hiddenLine xmlns="" xmlns:a14="http://schemas.microsoft.com/office/drawing/2010/main" w="9525">
+                  <a14:hiddenLine xmlns:a14="http://schemas.microsoft.com/office/drawing/2010/main" xmlns="" w="9525">
                     <a:solidFill>
                       <a:srgbClr val="000000"/>
                     </a:solidFill>
@@ -10960,7 +10960,7 @@
               </a:ln>
               <a:extLst>
                 <a:ext uri="{91240B29-F687-4f45-9708-019B960494DF}">
-                  <a14:hiddenLine xmlns="" xmlns:a14="http://schemas.microsoft.com/office/drawing/2010/main" w="9525">
+                  <a14:hiddenLine xmlns:a14="http://schemas.microsoft.com/office/drawing/2010/main" xmlns="" w="9525">
                     <a:solidFill>
                       <a:srgbClr val="000000"/>
                     </a:solidFill>
@@ -11080,7 +11080,7 @@
               </a:ln>
               <a:extLst>
                 <a:ext uri="{91240B29-F687-4f45-9708-019B960494DF}">
-                  <a14:hiddenLine xmlns="" xmlns:a14="http://schemas.microsoft.com/office/drawing/2010/main" w="9525">
+                  <a14:hiddenLine xmlns:a14="http://schemas.microsoft.com/office/drawing/2010/main" xmlns="" w="9525">
                     <a:solidFill>
                       <a:srgbClr val="000000"/>
                     </a:solidFill>
@@ -11178,7 +11178,7 @@
               </a:ln>
               <a:extLst>
                 <a:ext uri="{91240B29-F687-4f45-9708-019B960494DF}">
-                  <a14:hiddenLine xmlns="" xmlns:a14="http://schemas.microsoft.com/office/drawing/2010/main" w="9525">
+                  <a14:hiddenLine xmlns:a14="http://schemas.microsoft.com/office/drawing/2010/main" xmlns="" w="9525">
                     <a:solidFill>
                       <a:srgbClr val="000000"/>
                     </a:solidFill>
@@ -11293,7 +11293,7 @@
               </a:ln>
               <a:extLst>
                 <a:ext uri="{91240B29-F687-4f45-9708-019B960494DF}">
-                  <a14:hiddenLine xmlns="" xmlns:a14="http://schemas.microsoft.com/office/drawing/2010/main" w="9525">
+                  <a14:hiddenLine xmlns:a14="http://schemas.microsoft.com/office/drawing/2010/main" xmlns="" w="9525">
                     <a:solidFill>
                       <a:srgbClr val="000000"/>
                     </a:solidFill>
@@ -11383,7 +11383,7 @@
               </a:ln>
               <a:extLst>
                 <a:ext uri="{91240B29-F687-4f45-9708-019B960494DF}">
-                  <a14:hiddenLine xmlns="" xmlns:a14="http://schemas.microsoft.com/office/drawing/2010/main" w="9525">
+                  <a14:hiddenLine xmlns:a14="http://schemas.microsoft.com/office/drawing/2010/main" xmlns="" w="9525">
                     <a:solidFill>
                       <a:srgbClr val="000000"/>
                     </a:solidFill>
@@ -11448,7 +11448,7 @@
               </a:ln>
               <a:extLst>
                 <a:ext uri="{91240B29-F687-4f45-9708-019B960494DF}">
-                  <a14:hiddenLine xmlns="" xmlns:a14="http://schemas.microsoft.com/office/drawing/2010/main" w="9525">
+                  <a14:hiddenLine xmlns:a14="http://schemas.microsoft.com/office/drawing/2010/main" xmlns="" w="9525">
                     <a:solidFill>
                       <a:srgbClr val="000000"/>
                     </a:solidFill>
@@ -11538,7 +11538,7 @@
               </a:ln>
               <a:extLst>
                 <a:ext uri="{91240B29-F687-4f45-9708-019B960494DF}">
-                  <a14:hiddenLine xmlns="" xmlns:a14="http://schemas.microsoft.com/office/drawing/2010/main" w="9525">
+                  <a14:hiddenLine xmlns:a14="http://schemas.microsoft.com/office/drawing/2010/main" xmlns="" w="9525">
                     <a:solidFill>
                       <a:srgbClr val="000000"/>
                     </a:solidFill>
@@ -11606,7 +11606,7 @@
               </a:ln>
               <a:extLst>
                 <a:ext uri="{91240B29-F687-4f45-9708-019B960494DF}">
-                  <a14:hiddenLine xmlns="" xmlns:a14="http://schemas.microsoft.com/office/drawing/2010/main" w="9525">
+                  <a14:hiddenLine xmlns:a14="http://schemas.microsoft.com/office/drawing/2010/main" xmlns="" w="9525">
                     <a:solidFill>
                       <a:srgbClr val="000000"/>
                     </a:solidFill>
@@ -11696,7 +11696,7 @@
               </a:ln>
               <a:extLst>
                 <a:ext uri="{91240B29-F687-4f45-9708-019B960494DF}">
-                  <a14:hiddenLine xmlns="" xmlns:a14="http://schemas.microsoft.com/office/drawing/2010/main" w="9525">
+                  <a14:hiddenLine xmlns:a14="http://schemas.microsoft.com/office/drawing/2010/main" xmlns="" w="9525">
                     <a:solidFill>
                       <a:srgbClr val="000000"/>
                     </a:solidFill>
@@ -11764,7 +11764,7 @@
               </a:ln>
               <a:extLst>
                 <a:ext uri="{91240B29-F687-4f45-9708-019B960494DF}">
-                  <a14:hiddenLine xmlns="" xmlns:a14="http://schemas.microsoft.com/office/drawing/2010/main" w="9525">
+                  <a14:hiddenLine xmlns:a14="http://schemas.microsoft.com/office/drawing/2010/main" xmlns="" w="9525">
                     <a:solidFill>
                       <a:srgbClr val="000000"/>
                     </a:solidFill>
@@ -11854,7 +11854,7 @@
               </a:ln>
               <a:extLst>
                 <a:ext uri="{91240B29-F687-4f45-9708-019B960494DF}">
-                  <a14:hiddenLine xmlns="" xmlns:a14="http://schemas.microsoft.com/office/drawing/2010/main" w="9525">
+                  <a14:hiddenLine xmlns:a14="http://schemas.microsoft.com/office/drawing/2010/main" xmlns="" w="9525">
                     <a:solidFill>
                       <a:srgbClr val="000000"/>
                     </a:solidFill>
@@ -11888,7 +11888,7 @@
               </a:ln>
               <a:extLst>
                 <a:ext uri="{91240B29-F687-4f45-9708-019B960494DF}">
-                  <a14:hiddenLine xmlns="" xmlns:a14="http://schemas.microsoft.com/office/drawing/2010/main" w="9525">
+                  <a14:hiddenLine xmlns:a14="http://schemas.microsoft.com/office/drawing/2010/main" xmlns="" w="9525">
                     <a:solidFill>
                       <a:srgbClr val="000000"/>
                     </a:solidFill>
@@ -12029,7 +12029,7 @@
             <a:fld id="{48A87A34-81AB-432B-8DAE-1953F412C126}" type="datetimeFigureOut">
               <a:rPr lang="en-US" dirty="0"/>
               <a:pPr/>
-              <a:t>10/14/2024</a:t>
+              <a:t>10/19/2024</a:t>
             </a:fld>
             <a:endParaRPr lang="en-US" dirty="0"/>
           </a:p>
